--- a/ML_Project/workflow.pptx
+++ b/ML_Project/workflow.pptx
@@ -105,6 +105,11 @@
       </a:defRPr>
     </a:lvl9pPr>
   </p:defaultTextStyle>
+  <p:extLst>
+    <p:ext uri="{EFAFB233-063F-42B5-8137-9DF3F51BA10A}">
+      <p15:sldGuideLst xmlns:p15="http://schemas.microsoft.com/office/powerpoint/2012/main"/>
+    </p:ext>
+  </p:extLst>
 </p:presentation>
 </file>
 

--- a/ML_Project/workflow.pptx
+++ b/ML_Project/workflow.pptx
@@ -244,7 +244,7 @@
           <a:p>
             <a:fld id="{10E61233-B68B-4372-986B-34EBB93E937C}" type="datetimeFigureOut">
               <a:rPr lang="he-IL" smtClean="0"/>
-              <a:t>ז'/שבט/תשפ"ד</a:t>
+              <a:t>י"ד/שבט/תשפ"ד</a:t>
             </a:fld>
             <a:endParaRPr lang="he-IL"/>
           </a:p>
@@ -414,7 +414,7 @@
           <a:p>
             <a:fld id="{10E61233-B68B-4372-986B-34EBB93E937C}" type="datetimeFigureOut">
               <a:rPr lang="he-IL" smtClean="0"/>
-              <a:t>ז'/שבט/תשפ"ד</a:t>
+              <a:t>י"ד/שבט/תשפ"ד</a:t>
             </a:fld>
             <a:endParaRPr lang="he-IL"/>
           </a:p>
@@ -594,7 +594,7 @@
           <a:p>
             <a:fld id="{10E61233-B68B-4372-986B-34EBB93E937C}" type="datetimeFigureOut">
               <a:rPr lang="he-IL" smtClean="0"/>
-              <a:t>ז'/שבט/תשפ"ד</a:t>
+              <a:t>י"ד/שבט/תשפ"ד</a:t>
             </a:fld>
             <a:endParaRPr lang="he-IL"/>
           </a:p>
@@ -764,7 +764,7 @@
           <a:p>
             <a:fld id="{10E61233-B68B-4372-986B-34EBB93E937C}" type="datetimeFigureOut">
               <a:rPr lang="he-IL" smtClean="0"/>
-              <a:t>ז'/שבט/תשפ"ד</a:t>
+              <a:t>י"ד/שבט/תשפ"ד</a:t>
             </a:fld>
             <a:endParaRPr lang="he-IL"/>
           </a:p>
@@ -1008,7 +1008,7 @@
           <a:p>
             <a:fld id="{10E61233-B68B-4372-986B-34EBB93E937C}" type="datetimeFigureOut">
               <a:rPr lang="he-IL" smtClean="0"/>
-              <a:t>ז'/שבט/תשפ"ד</a:t>
+              <a:t>י"ד/שבט/תשפ"ד</a:t>
             </a:fld>
             <a:endParaRPr lang="he-IL"/>
           </a:p>
@@ -1240,7 +1240,7 @@
           <a:p>
             <a:fld id="{10E61233-B68B-4372-986B-34EBB93E937C}" type="datetimeFigureOut">
               <a:rPr lang="he-IL" smtClean="0"/>
-              <a:t>ז'/שבט/תשפ"ד</a:t>
+              <a:t>י"ד/שבט/תשפ"ד</a:t>
             </a:fld>
             <a:endParaRPr lang="he-IL"/>
           </a:p>
@@ -1607,7 +1607,7 @@
           <a:p>
             <a:fld id="{10E61233-B68B-4372-986B-34EBB93E937C}" type="datetimeFigureOut">
               <a:rPr lang="he-IL" smtClean="0"/>
-              <a:t>ז'/שבט/תשפ"ד</a:t>
+              <a:t>י"ד/שבט/תשפ"ד</a:t>
             </a:fld>
             <a:endParaRPr lang="he-IL"/>
           </a:p>
@@ -1725,7 +1725,7 @@
           <a:p>
             <a:fld id="{10E61233-B68B-4372-986B-34EBB93E937C}" type="datetimeFigureOut">
               <a:rPr lang="he-IL" smtClean="0"/>
-              <a:t>ז'/שבט/תשפ"ד</a:t>
+              <a:t>י"ד/שבט/תשפ"ד</a:t>
             </a:fld>
             <a:endParaRPr lang="he-IL"/>
           </a:p>
@@ -1820,7 +1820,7 @@
           <a:p>
             <a:fld id="{10E61233-B68B-4372-986B-34EBB93E937C}" type="datetimeFigureOut">
               <a:rPr lang="he-IL" smtClean="0"/>
-              <a:t>ז'/שבט/תשפ"ד</a:t>
+              <a:t>י"ד/שבט/תשפ"ד</a:t>
             </a:fld>
             <a:endParaRPr lang="he-IL"/>
           </a:p>
@@ -2097,7 +2097,7 @@
           <a:p>
             <a:fld id="{10E61233-B68B-4372-986B-34EBB93E937C}" type="datetimeFigureOut">
               <a:rPr lang="he-IL" smtClean="0"/>
-              <a:t>ז'/שבט/תשפ"ד</a:t>
+              <a:t>י"ד/שבט/תשפ"ד</a:t>
             </a:fld>
             <a:endParaRPr lang="he-IL"/>
           </a:p>
@@ -2354,7 +2354,7 @@
           <a:p>
             <a:fld id="{10E61233-B68B-4372-986B-34EBB93E937C}" type="datetimeFigureOut">
               <a:rPr lang="he-IL" smtClean="0"/>
-              <a:t>ז'/שבט/תשפ"ד</a:t>
+              <a:t>י"ד/שבט/תשפ"ד</a:t>
             </a:fld>
             <a:endParaRPr lang="he-IL"/>
           </a:p>
@@ -2567,7 +2567,7 @@
           <a:p>
             <a:fld id="{10E61233-B68B-4372-986B-34EBB93E937C}" type="datetimeFigureOut">
               <a:rPr lang="he-IL" smtClean="0"/>
-              <a:t>ז'/שבט/תשפ"ד</a:t>
+              <a:t>י"ד/שבט/תשפ"ד</a:t>
             </a:fld>
             <a:endParaRPr lang="he-IL"/>
           </a:p>
